--- a/Tango Tree.pptx
+++ b/Tango Tree.pptx
@@ -5,14 +5,16 @@
     <p:sldMasterId id="2147483712" r:id="rId1"/>
   </p:sldMasterIdLst>
   <p:notesMasterIdLst>
-    <p:notesMasterId r:id="rId7"/>
+    <p:notesMasterId r:id="rId9"/>
   </p:notesMasterIdLst>
   <p:sldIdLst>
     <p:sldId id="256" r:id="rId2"/>
     <p:sldId id="258" r:id="rId3"/>
     <p:sldId id="260" r:id="rId4"/>
-    <p:sldId id="257" r:id="rId5"/>
-    <p:sldId id="259" r:id="rId6"/>
+    <p:sldId id="261" r:id="rId5"/>
+    <p:sldId id="262" r:id="rId6"/>
+    <p:sldId id="263" r:id="rId7"/>
+    <p:sldId id="259" r:id="rId8"/>
   </p:sldIdLst>
   <p:sldSz cx="12192000" cy="6858000"/>
   <p:notesSz cx="6858000" cy="9144000"/>
@@ -123,8 +125,8 @@
 <pc:chgInfo xmlns:a="http://schemas.openxmlformats.org/drawingml/2006/main" xmlns:r="http://schemas.openxmlformats.org/officeDocument/2006/relationships" xmlns:ac="http://schemas.microsoft.com/office/drawing/2013/main/command" xmlns:pc="http://schemas.microsoft.com/office/powerpoint/2013/main/command">
   <pc:docChgLst>
     <pc:chgData name="Sechler, Caleb - DSU Student" userId="013e9fec-433e-4bb1-b6e6-75589a87b96d" providerId="ADAL" clId="{A272DA72-A19F-496C-8FED-F15AAD500B56}"/>
-    <pc:docChg chg="undo custSel addSld modSld sldOrd">
-      <pc:chgData name="Sechler, Caleb - DSU Student" userId="013e9fec-433e-4bb1-b6e6-75589a87b96d" providerId="ADAL" clId="{A272DA72-A19F-496C-8FED-F15AAD500B56}" dt="2025-02-18T23:13:49.849" v="1486" actId="20577"/>
+    <pc:docChg chg="undo custSel addSld delSld modSld sldOrd">
+      <pc:chgData name="Sechler, Caleb - DSU Student" userId="013e9fec-433e-4bb1-b6e6-75589a87b96d" providerId="ADAL" clId="{A272DA72-A19F-496C-8FED-F15AAD500B56}" dt="2025-02-20T05:43:33.096" v="2417" actId="20577"/>
       <pc:docMkLst>
         <pc:docMk/>
       </pc:docMkLst>
@@ -142,14 +144,6 @@
             <ac:spMk id="2" creationId="{F9C5E5AB-A66D-0477-28A1-4AA939BC1057}"/>
           </ac:spMkLst>
         </pc:spChg>
-        <pc:spChg chg="del">
-          <ac:chgData name="Sechler, Caleb - DSU Student" userId="013e9fec-433e-4bb1-b6e6-75589a87b96d" providerId="ADAL" clId="{A272DA72-A19F-496C-8FED-F15AAD500B56}" dt="2025-02-18T22:59:36.361" v="1454" actId="478"/>
-          <ac:spMkLst>
-            <pc:docMk/>
-            <pc:sldMk cId="2092690226" sldId="256"/>
-            <ac:spMk id="3" creationId="{5EC82F23-3452-8580-EA8E-B4C3DB499A62}"/>
-          </ac:spMkLst>
-        </pc:spChg>
         <pc:picChg chg="add del">
           <ac:chgData name="Sechler, Caleb - DSU Student" userId="013e9fec-433e-4bb1-b6e6-75589a87b96d" providerId="ADAL" clId="{A272DA72-A19F-496C-8FED-F15AAD500B56}" dt="2025-02-18T22:59:34.112" v="1453" actId="478"/>
           <ac:picMkLst>
@@ -159,22 +153,14 @@
           </ac:picMkLst>
         </pc:picChg>
       </pc:sldChg>
-      <pc:sldChg chg="modSp mod">
-        <pc:chgData name="Sechler, Caleb - DSU Student" userId="013e9fec-433e-4bb1-b6e6-75589a87b96d" providerId="ADAL" clId="{A272DA72-A19F-496C-8FED-F15AAD500B56}" dt="2025-02-18T22:46:48.145" v="1082" actId="20577"/>
+      <pc:sldChg chg="modSp del mod">
+        <pc:chgData name="Sechler, Caleb - DSU Student" userId="013e9fec-433e-4bb1-b6e6-75589a87b96d" providerId="ADAL" clId="{A272DA72-A19F-496C-8FED-F15AAD500B56}" dt="2025-02-20T05:30:26.935" v="1578" actId="2696"/>
         <pc:sldMkLst>
           <pc:docMk/>
           <pc:sldMk cId="1484034977" sldId="257"/>
         </pc:sldMkLst>
         <pc:spChg chg="mod">
-          <ac:chgData name="Sechler, Caleb - DSU Student" userId="013e9fec-433e-4bb1-b6e6-75589a87b96d" providerId="ADAL" clId="{A272DA72-A19F-496C-8FED-F15AAD500B56}" dt="2025-02-18T14:22:20.113" v="72" actId="20577"/>
-          <ac:spMkLst>
-            <pc:docMk/>
-            <pc:sldMk cId="1484034977" sldId="257"/>
-            <ac:spMk id="2" creationId="{B943806C-473A-4AA6-AB76-8FF272A81309}"/>
-          </ac:spMkLst>
-        </pc:spChg>
-        <pc:spChg chg="mod">
-          <ac:chgData name="Sechler, Caleb - DSU Student" userId="013e9fec-433e-4bb1-b6e6-75589a87b96d" providerId="ADAL" clId="{A272DA72-A19F-496C-8FED-F15AAD500B56}" dt="2025-02-18T22:46:48.145" v="1082" actId="20577"/>
+          <ac:chgData name="Sechler, Caleb - DSU Student" userId="013e9fec-433e-4bb1-b6e6-75589a87b96d" providerId="ADAL" clId="{A272DA72-A19F-496C-8FED-F15AAD500B56}" dt="2025-02-20T05:30:10.637" v="1565" actId="21"/>
           <ac:spMkLst>
             <pc:docMk/>
             <pc:sldMk cId="1484034977" sldId="257"/>
@@ -206,13 +192,13 @@
         </pc:spChg>
       </pc:sldChg>
       <pc:sldChg chg="modSp new mod">
-        <pc:chgData name="Sechler, Caleb - DSU Student" userId="013e9fec-433e-4bb1-b6e6-75589a87b96d" providerId="ADAL" clId="{A272DA72-A19F-496C-8FED-F15AAD500B56}" dt="2025-02-18T22:59:15.271" v="1434" actId="20577"/>
+        <pc:chgData name="Sechler, Caleb - DSU Student" userId="013e9fec-433e-4bb1-b6e6-75589a87b96d" providerId="ADAL" clId="{A272DA72-A19F-496C-8FED-F15AAD500B56}" dt="2025-02-20T05:43:33.096" v="2417" actId="20577"/>
         <pc:sldMkLst>
           <pc:docMk/>
           <pc:sldMk cId="94569589" sldId="259"/>
         </pc:sldMkLst>
         <pc:spChg chg="mod">
-          <ac:chgData name="Sechler, Caleb - DSU Student" userId="013e9fec-433e-4bb1-b6e6-75589a87b96d" providerId="ADAL" clId="{A272DA72-A19F-496C-8FED-F15AAD500B56}" dt="2025-02-18T14:22:27.281" v="96" actId="20577"/>
+          <ac:chgData name="Sechler, Caleb - DSU Student" userId="013e9fec-433e-4bb1-b6e6-75589a87b96d" providerId="ADAL" clId="{A272DA72-A19F-496C-8FED-F15AAD500B56}" dt="2025-02-20T05:30:04.223" v="1564" actId="20577"/>
           <ac:spMkLst>
             <pc:docMk/>
             <pc:sldMk cId="94569589" sldId="259"/>
@@ -220,7 +206,7 @@
           </ac:spMkLst>
         </pc:spChg>
         <pc:spChg chg="mod">
-          <ac:chgData name="Sechler, Caleb - DSU Student" userId="013e9fec-433e-4bb1-b6e6-75589a87b96d" providerId="ADAL" clId="{A272DA72-A19F-496C-8FED-F15AAD500B56}" dt="2025-02-18T22:59:15.271" v="1434" actId="20577"/>
+          <ac:chgData name="Sechler, Caleb - DSU Student" userId="013e9fec-433e-4bb1-b6e6-75589a87b96d" providerId="ADAL" clId="{A272DA72-A19F-496C-8FED-F15AAD500B56}" dt="2025-02-20T05:43:33.096" v="2417" actId="20577"/>
           <ac:spMkLst>
             <pc:docMk/>
             <pc:sldMk cId="94569589" sldId="259"/>
@@ -229,13 +215,13 @@
         </pc:spChg>
       </pc:sldChg>
       <pc:sldChg chg="modSp new mod ord modNotesTx">
-        <pc:chgData name="Sechler, Caleb - DSU Student" userId="013e9fec-433e-4bb1-b6e6-75589a87b96d" providerId="ADAL" clId="{A272DA72-A19F-496C-8FED-F15AAD500B56}" dt="2025-02-18T23:13:49.849" v="1486" actId="20577"/>
+        <pc:chgData name="Sechler, Caleb - DSU Student" userId="013e9fec-433e-4bb1-b6e6-75589a87b96d" providerId="ADAL" clId="{A272DA72-A19F-496C-8FED-F15AAD500B56}" dt="2025-02-20T05:32:22.821" v="1614" actId="20577"/>
         <pc:sldMkLst>
           <pc:docMk/>
           <pc:sldMk cId="3279698108" sldId="260"/>
         </pc:sldMkLst>
         <pc:spChg chg="mod">
-          <ac:chgData name="Sechler, Caleb - DSU Student" userId="013e9fec-433e-4bb1-b6e6-75589a87b96d" providerId="ADAL" clId="{A272DA72-A19F-496C-8FED-F15AAD500B56}" dt="2025-02-18T15:08:10.771" v="215" actId="20577"/>
+          <ac:chgData name="Sechler, Caleb - DSU Student" userId="013e9fec-433e-4bb1-b6e6-75589a87b96d" providerId="ADAL" clId="{A272DA72-A19F-496C-8FED-F15AAD500B56}" dt="2025-02-20T05:31:53.942" v="1592" actId="20577"/>
           <ac:spMkLst>
             <pc:docMk/>
             <pc:sldMk cId="3279698108" sldId="260"/>
@@ -243,11 +229,80 @@
           </ac:spMkLst>
         </pc:spChg>
         <pc:spChg chg="mod">
-          <ac:chgData name="Sechler, Caleb - DSU Student" userId="013e9fec-433e-4bb1-b6e6-75589a87b96d" providerId="ADAL" clId="{A272DA72-A19F-496C-8FED-F15AAD500B56}" dt="2025-02-18T22:42:34.474" v="703" actId="20577"/>
+          <ac:chgData name="Sechler, Caleb - DSU Student" userId="013e9fec-433e-4bb1-b6e6-75589a87b96d" providerId="ADAL" clId="{A272DA72-A19F-496C-8FED-F15AAD500B56}" dt="2025-02-20T05:32:22.821" v="1614" actId="20577"/>
           <ac:spMkLst>
             <pc:docMk/>
             <pc:sldMk cId="3279698108" sldId="260"/>
             <ac:spMk id="3" creationId="{2077EEA0-E52C-AB86-C9D1-F6C09F7FD06C}"/>
+          </ac:spMkLst>
+        </pc:spChg>
+      </pc:sldChg>
+      <pc:sldChg chg="modSp new mod">
+        <pc:chgData name="Sechler, Caleb - DSU Student" userId="013e9fec-433e-4bb1-b6e6-75589a87b96d" providerId="ADAL" clId="{A272DA72-A19F-496C-8FED-F15AAD500B56}" dt="2025-02-20T05:36:00.242" v="1832" actId="20577"/>
+        <pc:sldMkLst>
+          <pc:docMk/>
+          <pc:sldMk cId="3742666017" sldId="261"/>
+        </pc:sldMkLst>
+        <pc:spChg chg="mod">
+          <ac:chgData name="Sechler, Caleb - DSU Student" userId="013e9fec-433e-4bb1-b6e6-75589a87b96d" providerId="ADAL" clId="{A272DA72-A19F-496C-8FED-F15AAD500B56}" dt="2025-02-20T05:32:54.298" v="1648" actId="20577"/>
+          <ac:spMkLst>
+            <pc:docMk/>
+            <pc:sldMk cId="3742666017" sldId="261"/>
+            <ac:spMk id="2" creationId="{6EA4AF80-3162-8993-4B1C-C773EDF736CF}"/>
+          </ac:spMkLst>
+        </pc:spChg>
+        <pc:spChg chg="mod">
+          <ac:chgData name="Sechler, Caleb - DSU Student" userId="013e9fec-433e-4bb1-b6e6-75589a87b96d" providerId="ADAL" clId="{A272DA72-A19F-496C-8FED-F15AAD500B56}" dt="2025-02-20T05:36:00.242" v="1832" actId="20577"/>
+          <ac:spMkLst>
+            <pc:docMk/>
+            <pc:sldMk cId="3742666017" sldId="261"/>
+            <ac:spMk id="3" creationId="{4F6ABAF5-EE83-2402-8713-13E13CE64711}"/>
+          </ac:spMkLst>
+        </pc:spChg>
+      </pc:sldChg>
+      <pc:sldChg chg="modSp new mod">
+        <pc:chgData name="Sechler, Caleb - DSU Student" userId="013e9fec-433e-4bb1-b6e6-75589a87b96d" providerId="ADAL" clId="{A272DA72-A19F-496C-8FED-F15AAD500B56}" dt="2025-02-20T05:39:49.691" v="2265" actId="20577"/>
+        <pc:sldMkLst>
+          <pc:docMk/>
+          <pc:sldMk cId="1194104109" sldId="262"/>
+        </pc:sldMkLst>
+        <pc:spChg chg="mod">
+          <ac:chgData name="Sechler, Caleb - DSU Student" userId="013e9fec-433e-4bb1-b6e6-75589a87b96d" providerId="ADAL" clId="{A272DA72-A19F-496C-8FED-F15AAD500B56}" dt="2025-02-20T05:36:12.762" v="1843" actId="20577"/>
+          <ac:spMkLst>
+            <pc:docMk/>
+            <pc:sldMk cId="1194104109" sldId="262"/>
+            <ac:spMk id="2" creationId="{B3A25A43-EF2A-CB55-8A05-98DE588DB0AF}"/>
+          </ac:spMkLst>
+        </pc:spChg>
+        <pc:spChg chg="mod">
+          <ac:chgData name="Sechler, Caleb - DSU Student" userId="013e9fec-433e-4bb1-b6e6-75589a87b96d" providerId="ADAL" clId="{A272DA72-A19F-496C-8FED-F15AAD500B56}" dt="2025-02-20T05:39:49.691" v="2265" actId="20577"/>
+          <ac:spMkLst>
+            <pc:docMk/>
+            <pc:sldMk cId="1194104109" sldId="262"/>
+            <ac:spMk id="3" creationId="{71607905-F304-415E-3311-C0538D4F5175}"/>
+          </ac:spMkLst>
+        </pc:spChg>
+      </pc:sldChg>
+      <pc:sldChg chg="modSp new mod">
+        <pc:chgData name="Sechler, Caleb - DSU Student" userId="013e9fec-433e-4bb1-b6e6-75589a87b96d" providerId="ADAL" clId="{A272DA72-A19F-496C-8FED-F15AAD500B56}" dt="2025-02-20T05:43:13.831" v="2400" actId="20577"/>
+        <pc:sldMkLst>
+          <pc:docMk/>
+          <pc:sldMk cId="3623522370" sldId="263"/>
+        </pc:sldMkLst>
+        <pc:spChg chg="mod">
+          <ac:chgData name="Sechler, Caleb - DSU Student" userId="013e9fec-433e-4bb1-b6e6-75589a87b96d" providerId="ADAL" clId="{A272DA72-A19F-496C-8FED-F15AAD500B56}" dt="2025-02-20T05:40:24.666" v="2294" actId="20577"/>
+          <ac:spMkLst>
+            <pc:docMk/>
+            <pc:sldMk cId="3623522370" sldId="263"/>
+            <ac:spMk id="2" creationId="{43D000F7-27BF-04FB-02E0-92BF0897DF20}"/>
+          </ac:spMkLst>
+        </pc:spChg>
+        <pc:spChg chg="mod">
+          <ac:chgData name="Sechler, Caleb - DSU Student" userId="013e9fec-433e-4bb1-b6e6-75589a87b96d" providerId="ADAL" clId="{A272DA72-A19F-496C-8FED-F15AAD500B56}" dt="2025-02-20T05:43:13.831" v="2400" actId="20577"/>
+          <ac:spMkLst>
+            <pc:docMk/>
+            <pc:sldMk cId="3623522370" sldId="263"/>
+            <ac:spMk id="3" creationId="{0964DC4D-11DE-4176-7C70-9265024B06A7}"/>
           </ac:spMkLst>
         </pc:spChg>
       </pc:sldChg>
@@ -338,7 +393,7 @@
           <a:p>
             <a:fld id="{3765C97F-60E2-440D-BDA5-B4C58C8D9109}" type="datetimeFigureOut">
               <a:rPr lang="en-US" smtClean="0"/>
-              <a:t>2/18/2025</a:t>
+              <a:t>2/19/2025</a:t>
             </a:fld>
             <a:endParaRPr lang="en-US"/>
           </a:p>
@@ -843,7 +898,7 @@
           <a:p>
             <a:fld id="{11008460-8B2F-4AAA-A4E2-10730069204C}" type="datetimeFigureOut">
               <a:rPr lang="en-US" smtClean="0"/>
-              <a:t>2/18/2025</a:t>
+              <a:t>2/19/2025</a:t>
             </a:fld>
             <a:endParaRPr lang="en-US"/>
           </a:p>
@@ -3187,7 +3242,7 @@
           <a:p>
             <a:fld id="{11008460-8B2F-4AAA-A4E2-10730069204C}" type="datetimeFigureOut">
               <a:rPr lang="en-US" smtClean="0"/>
-              <a:t>2/18/2025</a:t>
+              <a:t>2/19/2025</a:t>
             </a:fld>
             <a:endParaRPr lang="en-US"/>
           </a:p>
@@ -5531,7 +5586,7 @@
           <a:p>
             <a:fld id="{11008460-8B2F-4AAA-A4E2-10730069204C}" type="datetimeFigureOut">
               <a:rPr lang="en-US" smtClean="0"/>
-              <a:t>2/18/2025</a:t>
+              <a:t>2/19/2025</a:t>
             </a:fld>
             <a:endParaRPr lang="en-US"/>
           </a:p>
@@ -5729,7 +5784,7 @@
           <a:p>
             <a:fld id="{11008460-8B2F-4AAA-A4E2-10730069204C}" type="datetimeFigureOut">
               <a:rPr lang="en-US" smtClean="0"/>
-              <a:t>2/18/2025</a:t>
+              <a:t>2/19/2025</a:t>
             </a:fld>
             <a:endParaRPr lang="en-US"/>
           </a:p>
@@ -6002,7 +6057,7 @@
           <a:p>
             <a:fld id="{11008460-8B2F-4AAA-A4E2-10730069204C}" type="datetimeFigureOut">
               <a:rPr lang="en-US" smtClean="0"/>
-              <a:t>2/18/2025</a:t>
+              <a:t>2/19/2025</a:t>
             </a:fld>
             <a:endParaRPr lang="en-US"/>
           </a:p>
@@ -6267,7 +6322,7 @@
           <a:p>
             <a:fld id="{11008460-8B2F-4AAA-A4E2-10730069204C}" type="datetimeFigureOut">
               <a:rPr lang="en-US" smtClean="0"/>
-              <a:t>2/18/2025</a:t>
+              <a:t>2/19/2025</a:t>
             </a:fld>
             <a:endParaRPr lang="en-US"/>
           </a:p>
@@ -6683,7 +6738,7 @@
           <a:p>
             <a:fld id="{11008460-8B2F-4AAA-A4E2-10730069204C}" type="datetimeFigureOut">
               <a:rPr lang="en-US" smtClean="0"/>
-              <a:t>2/18/2025</a:t>
+              <a:t>2/19/2025</a:t>
             </a:fld>
             <a:endParaRPr lang="en-US"/>
           </a:p>
@@ -6824,7 +6879,7 @@
           <a:p>
             <a:fld id="{11008460-8B2F-4AAA-A4E2-10730069204C}" type="datetimeFigureOut">
               <a:rPr lang="en-US" smtClean="0"/>
-              <a:t>2/18/2025</a:t>
+              <a:t>2/19/2025</a:t>
             </a:fld>
             <a:endParaRPr lang="en-US"/>
           </a:p>
@@ -6937,7 +6992,7 @@
           <a:p>
             <a:fld id="{11008460-8B2F-4AAA-A4E2-10730069204C}" type="datetimeFigureOut">
               <a:rPr lang="en-US" smtClean="0"/>
-              <a:t>2/18/2025</a:t>
+              <a:t>2/19/2025</a:t>
             </a:fld>
             <a:endParaRPr lang="en-US"/>
           </a:p>
@@ -7248,7 +7303,7 @@
           <a:p>
             <a:fld id="{11008460-8B2F-4AAA-A4E2-10730069204C}" type="datetimeFigureOut">
               <a:rPr lang="en-US" smtClean="0"/>
-              <a:t>2/18/2025</a:t>
+              <a:t>2/19/2025</a:t>
             </a:fld>
             <a:endParaRPr lang="en-US"/>
           </a:p>
@@ -7536,7 +7591,7 @@
           <a:p>
             <a:fld id="{11008460-8B2F-4AAA-A4E2-10730069204C}" type="datetimeFigureOut">
               <a:rPr lang="en-US" smtClean="0"/>
-              <a:t>2/18/2025</a:t>
+              <a:t>2/19/2025</a:t>
             </a:fld>
             <a:endParaRPr lang="en-US"/>
           </a:p>
@@ -9914,7 +9969,7 @@
             <a:fld id="{11008460-8B2F-4AAA-A4E2-10730069204C}" type="datetimeFigureOut">
               <a:rPr lang="en-US" smtClean="0"/>
               <a:pPr/>
-              <a:t>2/18/2025</a:t>
+              <a:t>2/19/2025</a:t>
             </a:fld>
             <a:endParaRPr lang="en-US" dirty="0"/>
           </a:p>
@@ -10923,7 +10978,7 @@
           <a:p>
             <a:r>
               <a:rPr lang="en-US" dirty="0"/>
-              <a:t>How does it work?</a:t>
+              <a:t>How does it work? And why Splay Trees?</a:t>
             </a:r>
           </a:p>
         </p:txBody>
@@ -10975,12 +11030,6 @@
             <a:r>
               <a:rPr lang="en-US" dirty="0"/>
               <a:t>In future searches, if a preferred path is reached the search will check in the path first for the node.</a:t>
-            </a:r>
-          </a:p>
-          <a:p>
-            <a:r>
-              <a:rPr lang="en-US" dirty="0"/>
-              <a:t>Let’s see an example</a:t>
             </a:r>
           </a:p>
           <a:p>
@@ -11026,7 +11075,7 @@
           <p:cNvPr id="2" name="Title 1">
             <a:extLst>
               <a:ext uri="{FF2B5EF4-FFF2-40B4-BE49-F238E27FC236}">
-                <a16:creationId xmlns:a16="http://schemas.microsoft.com/office/drawing/2014/main" id="{B943806C-473A-4AA6-AB76-8FF272A81309}"/>
+                <a16:creationId xmlns:a16="http://schemas.microsoft.com/office/drawing/2014/main" id="{6EA4AF80-3162-8993-4B1C-C773EDF736CF}"/>
               </a:ext>
             </a:extLst>
           </p:cNvPr>
@@ -11044,7 +11093,7 @@
           <a:p>
             <a:r>
               <a:rPr lang="en-US" dirty="0"/>
-              <a:t>Why use them?</a:t>
+              <a:t>Structures and Key Concepts</a:t>
             </a:r>
           </a:p>
         </p:txBody>
@@ -11054,7 +11103,7 @@
           <p:cNvPr id="3" name="Content Placeholder 2">
             <a:extLst>
               <a:ext uri="{FF2B5EF4-FFF2-40B4-BE49-F238E27FC236}">
-                <a16:creationId xmlns:a16="http://schemas.microsoft.com/office/drawing/2014/main" id="{A998A990-4353-AF79-DC46-D7A001F9E812}"/>
+                <a16:creationId xmlns:a16="http://schemas.microsoft.com/office/drawing/2014/main" id="{4F6ABAF5-EE83-2402-8713-13E13CE64711}"/>
               </a:ext>
             </a:extLst>
           </p:cNvPr>
@@ -11072,47 +11121,20 @@
           <a:p>
             <a:r>
               <a:rPr lang="en-US" dirty="0"/>
-              <a:t>Very good when you have a known, repeated access sequence and when the data doesn’t often change</a:t>
+              <a:t>The Reference Tree, a static BST</a:t>
             </a:r>
           </a:p>
           <a:p>
             <a:r>
               <a:rPr lang="en-US" dirty="0"/>
-              <a:t>What are sometimes when you could use a tango tree?</a:t>
+              <a:t>The preferred paths, groups of nodes that are frequently group together</a:t>
             </a:r>
           </a:p>
           <a:p>
-            <a:pPr marL="617220" lvl="1" indent="-342900">
-              <a:buAutoNum type="arabicPeriod"/>
-            </a:pPr>
             <a:r>
               <a:rPr lang="en-US" dirty="0"/>
-              <a:t>For a caching or database system</a:t>
+              <a:t>Auxiliary trees, how the preferred paths are stored (Splay trees)</a:t>
             </a:r>
-          </a:p>
-          <a:p>
-            <a:pPr marL="617220" lvl="1" indent="-342900">
-              <a:buAutoNum type="arabicPeriod"/>
-            </a:pPr>
-            <a:r>
-              <a:rPr lang="en-US" dirty="0"/>
-              <a:t>For network routing tables</a:t>
-            </a:r>
-          </a:p>
-          <a:p>
-            <a:pPr marL="617220" lvl="1" indent="-342900">
-              <a:buAutoNum type="arabicPeriod"/>
-            </a:pPr>
-            <a:r>
-              <a:rPr lang="en-US" dirty="0"/>
-              <a:t>For filesystems on an operating system</a:t>
-            </a:r>
-          </a:p>
-          <a:p>
-            <a:pPr marL="617220" lvl="1" indent="-342900">
-              <a:buAutoNum type="arabicPeriod"/>
-            </a:pPr>
-            <a:endParaRPr lang="en-US" dirty="0"/>
           </a:p>
           <a:p>
             <a:endParaRPr lang="en-US" dirty="0"/>
@@ -11122,7 +11144,7 @@
     </p:spTree>
     <p:extLst>
       <p:ext uri="{BB962C8B-B14F-4D97-AF65-F5344CB8AC3E}">
-        <p14:creationId xmlns:p14="http://schemas.microsoft.com/office/powerpoint/2010/main" val="1484034977"/>
+        <p14:creationId xmlns:p14="http://schemas.microsoft.com/office/powerpoint/2010/main" val="3742666017"/>
       </p:ext>
     </p:extLst>
   </p:cSld>
@@ -11133,6 +11155,215 @@
 </file>
 
 <file path=ppt/slides/slide5.xml><?xml version="1.0" encoding="utf-8"?>
+<p:sld xmlns:a="http://schemas.openxmlformats.org/drawingml/2006/main" xmlns:r="http://schemas.openxmlformats.org/officeDocument/2006/relationships" xmlns:p="http://schemas.openxmlformats.org/presentationml/2006/main">
+  <p:cSld>
+    <p:spTree>
+      <p:nvGrpSpPr>
+        <p:cNvPr id="1" name=""/>
+        <p:cNvGrpSpPr/>
+        <p:nvPr/>
+      </p:nvGrpSpPr>
+      <p:grpSpPr>
+        <a:xfrm>
+          <a:off x="0" y="0"/>
+          <a:ext cx="0" cy="0"/>
+          <a:chOff x="0" y="0"/>
+          <a:chExt cx="0" cy="0"/>
+        </a:xfrm>
+      </p:grpSpPr>
+      <p:sp>
+        <p:nvSpPr>
+          <p:cNvPr id="2" name="Title 1">
+            <a:extLst>
+              <a:ext uri="{FF2B5EF4-FFF2-40B4-BE49-F238E27FC236}">
+                <a16:creationId xmlns:a16="http://schemas.microsoft.com/office/drawing/2014/main" id="{B3A25A43-EF2A-CB55-8A05-98DE588DB0AF}"/>
+              </a:ext>
+            </a:extLst>
+          </p:cNvPr>
+          <p:cNvSpPr>
+            <a:spLocks noGrp="1"/>
+          </p:cNvSpPr>
+          <p:nvPr>
+            <p:ph type="title"/>
+          </p:nvPr>
+        </p:nvSpPr>
+        <p:spPr/>
+        <p:txBody>
+          <a:bodyPr/>
+          <a:lstStyle/>
+          <a:p>
+            <a:r>
+              <a:rPr lang="en-US" dirty="0"/>
+              <a:t>Operations</a:t>
+            </a:r>
+          </a:p>
+        </p:txBody>
+      </p:sp>
+      <p:sp>
+        <p:nvSpPr>
+          <p:cNvPr id="3" name="Content Placeholder 2">
+            <a:extLst>
+              <a:ext uri="{FF2B5EF4-FFF2-40B4-BE49-F238E27FC236}">
+                <a16:creationId xmlns:a16="http://schemas.microsoft.com/office/drawing/2014/main" id="{71607905-F304-415E-3311-C0538D4F5175}"/>
+              </a:ext>
+            </a:extLst>
+          </p:cNvPr>
+          <p:cNvSpPr>
+            <a:spLocks noGrp="1"/>
+          </p:cNvSpPr>
+          <p:nvPr>
+            <p:ph idx="1"/>
+          </p:nvPr>
+        </p:nvSpPr>
+        <p:spPr/>
+        <p:txBody>
+          <a:bodyPr/>
+          <a:lstStyle/>
+          <a:p>
+            <a:r>
+              <a:rPr lang="en-US" dirty="0"/>
+              <a:t>Search Operations, can be very confusing</a:t>
+            </a:r>
+          </a:p>
+          <a:p>
+            <a:pPr lvl="1"/>
+            <a:r>
+              <a:rPr lang="en-US" dirty="0"/>
+              <a:t>Search for a node using traditional BST methods, storing preferred children and paths along the way. Enter any preferred path encountered along the search.</a:t>
+            </a:r>
+          </a:p>
+          <a:p>
+            <a:r>
+              <a:rPr lang="en-US" dirty="0"/>
+              <a:t>Insertions and deletions</a:t>
+            </a:r>
+          </a:p>
+          <a:p>
+            <a:pPr lvl="1"/>
+            <a:r>
+              <a:rPr lang="en-US" dirty="0"/>
+              <a:t>Tango trees work best on a static dataset, could use underlying splay methods to balance if you need it</a:t>
+            </a:r>
+          </a:p>
+          <a:p>
+            <a:endParaRPr lang="en-US" dirty="0"/>
+          </a:p>
+        </p:txBody>
+      </p:sp>
+    </p:spTree>
+    <p:extLst>
+      <p:ext uri="{BB962C8B-B14F-4D97-AF65-F5344CB8AC3E}">
+        <p14:creationId xmlns:p14="http://schemas.microsoft.com/office/powerpoint/2010/main" val="1194104109"/>
+      </p:ext>
+    </p:extLst>
+  </p:cSld>
+  <p:clrMapOvr>
+    <a:masterClrMapping/>
+  </p:clrMapOvr>
+</p:sld>
+</file>
+
+<file path=ppt/slides/slide6.xml><?xml version="1.0" encoding="utf-8"?>
+<p:sld xmlns:a="http://schemas.openxmlformats.org/drawingml/2006/main" xmlns:r="http://schemas.openxmlformats.org/officeDocument/2006/relationships" xmlns:p="http://schemas.openxmlformats.org/presentationml/2006/main">
+  <p:cSld>
+    <p:spTree>
+      <p:nvGrpSpPr>
+        <p:cNvPr id="1" name=""/>
+        <p:cNvGrpSpPr/>
+        <p:nvPr/>
+      </p:nvGrpSpPr>
+      <p:grpSpPr>
+        <a:xfrm>
+          <a:off x="0" y="0"/>
+          <a:ext cx="0" cy="0"/>
+          <a:chOff x="0" y="0"/>
+          <a:chExt cx="0" cy="0"/>
+        </a:xfrm>
+      </p:grpSpPr>
+      <p:sp>
+        <p:nvSpPr>
+          <p:cNvPr id="2" name="Title 1">
+            <a:extLst>
+              <a:ext uri="{FF2B5EF4-FFF2-40B4-BE49-F238E27FC236}">
+                <a16:creationId xmlns:a16="http://schemas.microsoft.com/office/drawing/2014/main" id="{43D000F7-27BF-04FB-02E0-92BF0897DF20}"/>
+              </a:ext>
+            </a:extLst>
+          </p:cNvPr>
+          <p:cNvSpPr>
+            <a:spLocks noGrp="1"/>
+          </p:cNvSpPr>
+          <p:nvPr>
+            <p:ph type="title"/>
+          </p:nvPr>
+        </p:nvSpPr>
+        <p:spPr/>
+        <p:txBody>
+          <a:bodyPr/>
+          <a:lstStyle/>
+          <a:p>
+            <a:r>
+              <a:rPr lang="en-US" dirty="0"/>
+              <a:t>Performance</a:t>
+            </a:r>
+          </a:p>
+        </p:txBody>
+      </p:sp>
+      <p:sp>
+        <p:nvSpPr>
+          <p:cNvPr id="3" name="Content Placeholder 2">
+            <a:extLst>
+              <a:ext uri="{FF2B5EF4-FFF2-40B4-BE49-F238E27FC236}">
+                <a16:creationId xmlns:a16="http://schemas.microsoft.com/office/drawing/2014/main" id="{0964DC4D-11DE-4176-7C70-9265024B06A7}"/>
+              </a:ext>
+            </a:extLst>
+          </p:cNvPr>
+          <p:cNvSpPr>
+            <a:spLocks noGrp="1"/>
+          </p:cNvSpPr>
+          <p:nvPr>
+            <p:ph idx="1"/>
+          </p:nvPr>
+        </p:nvSpPr>
+        <p:spPr/>
+        <p:txBody>
+          <a:bodyPr/>
+          <a:lstStyle/>
+          <a:p>
+            <a:r>
+              <a:rPr lang="en-US" dirty="0"/>
+              <a:t>Competitive ratio of O(log </a:t>
+            </a:r>
+            <a:r>
+              <a:rPr lang="en-US" dirty="0" err="1"/>
+              <a:t>log</a:t>
+            </a:r>
+            <a:r>
+              <a:rPr lang="en-US" dirty="0"/>
+              <a:t> n)</a:t>
+            </a:r>
+          </a:p>
+          <a:p>
+            <a:r>
+              <a:rPr lang="en-US" dirty="0"/>
+              <a:t>How does it get this?</a:t>
+            </a:r>
+          </a:p>
+        </p:txBody>
+      </p:sp>
+    </p:spTree>
+    <p:extLst>
+      <p:ext uri="{BB962C8B-B14F-4D97-AF65-F5344CB8AC3E}">
+        <p14:creationId xmlns:p14="http://schemas.microsoft.com/office/powerpoint/2010/main" val="3623522370"/>
+      </p:ext>
+    </p:extLst>
+  </p:cSld>
+  <p:clrMapOvr>
+    <a:masterClrMapping/>
+  </p:clrMapOvr>
+</p:sld>
+</file>
+
+<file path=ppt/slides/slide7.xml><?xml version="1.0" encoding="utf-8"?>
 <p:sld xmlns:a="http://schemas.openxmlformats.org/drawingml/2006/main" xmlns:r="http://schemas.openxmlformats.org/officeDocument/2006/relationships" xmlns:p="http://schemas.openxmlformats.org/presentationml/2006/main">
   <p:cSld>
     <p:spTree>
@@ -11167,12 +11398,14 @@
         </p:nvSpPr>
         <p:spPr/>
         <p:txBody>
-          <a:bodyPr/>
+          <a:bodyPr>
+            <a:normAutofit fontScale="90000"/>
+          </a:bodyPr>
           <a:lstStyle/>
           <a:p>
             <a:r>
               <a:rPr lang="en-US" dirty="0"/>
-              <a:t>What’s bad about them?</a:t>
+              <a:t>Applications, Limitations, and Future Research</a:t>
             </a:r>
           </a:p>
         </p:txBody>
@@ -11195,8 +11428,49 @@
         </p:nvSpPr>
         <p:spPr/>
         <p:txBody>
-          <a:bodyPr/>
+          <a:bodyPr>
+            <a:normAutofit/>
+          </a:bodyPr>
           <a:lstStyle/>
+          <a:p>
+            <a:r>
+              <a:rPr lang="en-US" dirty="0"/>
+              <a:t>Very good when you have a known, repeated access sequence and when the data doesn’t often change or never changes</a:t>
+            </a:r>
+          </a:p>
+          <a:p>
+            <a:r>
+              <a:rPr lang="en-US" dirty="0"/>
+              <a:t>What are sometimes when you could use a tango tree?</a:t>
+            </a:r>
+          </a:p>
+          <a:p>
+            <a:pPr marL="617220" lvl="1" indent="-342900">
+              <a:buAutoNum type="arabicPeriod"/>
+            </a:pPr>
+            <a:r>
+              <a:rPr lang="en-US" dirty="0"/>
+              <a:t>For a caching or database system</a:t>
+            </a:r>
+          </a:p>
+          <a:p>
+            <a:pPr marL="617220" lvl="1" indent="-342900">
+              <a:buAutoNum type="arabicPeriod"/>
+            </a:pPr>
+            <a:r>
+              <a:rPr lang="en-US" dirty="0"/>
+              <a:t>For network routing tables</a:t>
+            </a:r>
+          </a:p>
+          <a:p>
+            <a:pPr marL="617220" lvl="1" indent="-342900">
+              <a:buAutoNum type="arabicPeriod"/>
+            </a:pPr>
+            <a:r>
+              <a:rPr lang="en-US" dirty="0"/>
+              <a:t>For filesystems on an operating system</a:t>
+            </a:r>
+          </a:p>
           <a:p>
             <a:r>
               <a:rPr lang="en-US" dirty="0"/>
